--- a/Top2Vec_Slides.pptx
+++ b/Top2Vec_Slides.pptx
@@ -359,7 +359,7 @@
           <a:p>
             <a:fld id="{75AAFD82-6CDF-8E40-826C-F701388B2794}" type="datetimeFigureOut">
               <a:rPr lang="en-US" smtClean="0"/>
-              <a:t>4/3/24</a:t>
+              <a:t>4/13/24</a:t>
             </a:fld>
             <a:endParaRPr lang="en-US"/>
           </a:p>
@@ -562,7 +562,7 @@
           <a:p>
             <a:fld id="{75AAFD82-6CDF-8E40-826C-F701388B2794}" type="datetimeFigureOut">
               <a:rPr lang="en-US" smtClean="0"/>
-              <a:t>4/3/24</a:t>
+              <a:t>4/13/24</a:t>
             </a:fld>
             <a:endParaRPr lang="en-US"/>
           </a:p>
@@ -813,7 +813,7 @@
           <a:p>
             <a:fld id="{75AAFD82-6CDF-8E40-826C-F701388B2794}" type="datetimeFigureOut">
               <a:rPr lang="en-US" smtClean="0"/>
-              <a:t>4/3/24</a:t>
+              <a:t>4/13/24</a:t>
             </a:fld>
             <a:endParaRPr lang="en-US"/>
           </a:p>
@@ -978,7 +978,7 @@
           <a:p>
             <a:fld id="{75AAFD82-6CDF-8E40-826C-F701388B2794}" type="datetimeFigureOut">
               <a:rPr lang="en-US" smtClean="0"/>
-              <a:t>4/3/24</a:t>
+              <a:t>4/13/24</a:t>
             </a:fld>
             <a:endParaRPr lang="en-US"/>
           </a:p>
@@ -1316,7 +1316,7 @@
           <a:p>
             <a:fld id="{75AAFD82-6CDF-8E40-826C-F701388B2794}" type="datetimeFigureOut">
               <a:rPr lang="en-US" smtClean="0"/>
-              <a:t>4/3/24</a:t>
+              <a:t>4/13/24</a:t>
             </a:fld>
             <a:endParaRPr lang="en-US"/>
           </a:p>
@@ -1586,7 +1586,7 @@
           <a:p>
             <a:fld id="{75AAFD82-6CDF-8E40-826C-F701388B2794}" type="datetimeFigureOut">
               <a:rPr lang="en-US" smtClean="0"/>
-              <a:t>4/3/24</a:t>
+              <a:t>4/13/24</a:t>
             </a:fld>
             <a:endParaRPr lang="en-US"/>
           </a:p>
@@ -1960,7 +1960,7 @@
           <a:p>
             <a:fld id="{75AAFD82-6CDF-8E40-826C-F701388B2794}" type="datetimeFigureOut">
               <a:rPr lang="en-US" smtClean="0"/>
-              <a:t>4/3/24</a:t>
+              <a:t>4/13/24</a:t>
             </a:fld>
             <a:endParaRPr lang="en-US"/>
           </a:p>
@@ -2073,7 +2073,7 @@
           <a:p>
             <a:fld id="{75AAFD82-6CDF-8E40-826C-F701388B2794}" type="datetimeFigureOut">
               <a:rPr lang="en-US" smtClean="0"/>
-              <a:t>4/3/24</a:t>
+              <a:t>4/13/24</a:t>
             </a:fld>
             <a:endParaRPr lang="en-US"/>
           </a:p>
@@ -2239,7 +2239,7 @@
           <a:p>
             <a:fld id="{75AAFD82-6CDF-8E40-826C-F701388B2794}" type="datetimeFigureOut">
               <a:rPr lang="en-US" smtClean="0"/>
-              <a:t>4/3/24</a:t>
+              <a:t>4/13/24</a:t>
             </a:fld>
             <a:endParaRPr lang="en-US"/>
           </a:p>
@@ -2588,7 +2588,7 @@
           <a:p>
             <a:fld id="{75AAFD82-6CDF-8E40-826C-F701388B2794}" type="datetimeFigureOut">
               <a:rPr lang="en-US" smtClean="0"/>
-              <a:t>4/3/24</a:t>
+              <a:t>4/13/24</a:t>
             </a:fld>
             <a:endParaRPr lang="en-US"/>
           </a:p>
@@ -2960,7 +2960,7 @@
           <a:p>
             <a:fld id="{75AAFD82-6CDF-8E40-826C-F701388B2794}" type="datetimeFigureOut">
               <a:rPr lang="en-US" smtClean="0"/>
-              <a:t>4/3/24</a:t>
+              <a:t>4/13/24</a:t>
             </a:fld>
             <a:endParaRPr lang="en-US"/>
           </a:p>
@@ -3242,7 +3242,7 @@
           <a:p>
             <a:fld id="{75AAFD82-6CDF-8E40-826C-F701388B2794}" type="datetimeFigureOut">
               <a:rPr lang="en-US" smtClean="0"/>
-              <a:t>4/3/24</a:t>
+              <a:t>4/13/24</a:t>
             </a:fld>
             <a:endParaRPr lang="en-US"/>
           </a:p>
@@ -4909,7 +4909,7 @@
                   <a:t> </a:t>
                 </a:r>
                 <a:r>
-                  <a:rPr lang="en-US" b="1" i="1" dirty="0" err="1" smtClean="0"/>
+                  <a:rPr lang="en-US" b="1" i="1" dirty="0" smtClean="0"/>
                   <a:t>minPts</a:t>
                 </a:r>
                 <a:r>
@@ -5032,12 +5032,8 @@
                   <a:t>– a point that has at least </a:t>
                 </a:r>
                 <a:r>
-                  <a:rPr lang="en-US" i="1" dirty="0" err="1" smtClean="0"/>
-                  <a:t>minPts</a:t>
-                </a:r>
-                <a:r>
                   <a:rPr lang="en-US" i="1" dirty="0" smtClean="0"/>
-                  <a:t> </a:t>
+                  <a:t>minPts </a:t>
                 </a:r>
                 <a:r>
                   <a:rPr lang="en-US" dirty="0" smtClean="0"/>
@@ -5089,12 +5085,8 @@
                   <a:t>– a point is a border point if it is reachable from a core point and there are less than </a:t>
                 </a:r>
                 <a:r>
-                  <a:rPr lang="en-US" i="1" dirty="0" err="1" smtClean="0"/>
-                  <a:t>minPts</a:t>
-                </a:r>
-                <a:r>
                   <a:rPr lang="en-US" i="1" dirty="0" smtClean="0"/>
-                  <a:t> </a:t>
+                  <a:t>minPts </a:t>
                 </a:r>
                 <a:r>
                   <a:rPr lang="en-US" dirty="0" smtClean="0"/>
@@ -5388,15 +5380,7 @@
                 </a:pPr>
                 <a:r>
                   <a:rPr lang="en-US" dirty="0" smtClean="0"/>
-                  <a:t>If there at least </a:t>
-                </a:r>
-                <a:r>
-                  <a:rPr lang="en-US" dirty="0" err="1" smtClean="0"/>
-                  <a:t>minPts</a:t>
-                </a:r>
-                <a:r>
-                  <a:rPr lang="en-US" dirty="0" smtClean="0"/>
-                  <a:t> number of points in the neighborhood, label it as a core point and start forming a cluster with the points in the neighborhood, otherwise mark it as noise.</a:t>
+                  <a:t>If there at least minPts number of points in the neighborhood, label it as a core point and start forming a cluster with the points in the neighborhood, otherwise mark it as noise.</a:t>
                 </a:r>
               </a:p>
               <a:p>
@@ -7307,11 +7291,7 @@
           <a:p>
             <a:r>
               <a:rPr lang="en-US" dirty="0" smtClean="0"/>
-              <a:t>This command will install Top2Vec with the pre-trained universal sentence encoders required to follow along with the the practical tutorial in this talk</a:t>
-            </a:r>
-            <a:r>
-              <a:rPr lang="en-US" dirty="0" smtClean="0"/>
-              <a:t>.</a:t>
+              <a:t>This command will install Top2Vec with the pre-trained universal sentence encoders required to follow along with the the practical tutorial in this talk.</a:t>
             </a:r>
           </a:p>
           <a:p>
